--- a/Curry-Howard.pptx
+++ b/Curry-Howard.pptx
@@ -10182,6 +10182,7 @@
             </a:r>
           </a:p>
           <a:p>
+            <a:pPr lvl="1"/>
             <a:r>
               <a:rPr lang="en-US" dirty="0"/>
               <a:t>E.g. </a:t>
@@ -12138,8 +12139,13 @@
             <a:pPr lvl="1"/>
             <a:r>
               <a:rPr lang="en-US" dirty="0"/>
-              <a:t>Programming languages with very powerful type systems</a:t>
-            </a:r>
+              <a:t>Programming languages with very powerful </a:t>
+            </a:r>
+            <a:r>
+              <a:rPr lang="en-US"/>
+              <a:t>type systems</a:t>
+            </a:r>
+            <a:endParaRPr lang="en-US" dirty="0"/>
           </a:p>
           <a:p>
             <a:pPr lvl="1"/>
@@ -12189,7 +12195,7 @@
           <a:p>
             <a:r>
               <a:rPr lang="en-US" dirty="0"/>
-              <a:t>Which leads to “type theory”</a:t>
+              <a:t>And further leads to “type theory”</a:t>
             </a:r>
           </a:p>
           <a:p>

--- a/Curry-Howard.pptx
+++ b/Curry-Howard.pptx
@@ -17635,11 +17635,7 @@
           <a:p>
             <a:r>
               <a:rPr lang="en-US" dirty="0"/>
-              <a:t>C# </a:t>
-            </a:r>
-            <a:r>
-              <a:rPr lang="en-US"/>
-              <a:t>generic types</a:t>
+              <a:t>C# generic type refresher</a:t>
             </a:r>
           </a:p>
         </p:txBody>
@@ -17660,12 +17656,179 @@
             <p:ph idx="1"/>
           </p:nvPr>
         </p:nvSpPr>
-        <p:spPr/>
+        <p:spPr>
+          <a:xfrm>
+            <a:off x="849351" y="1825625"/>
+            <a:ext cx="10515600" cy="4351338"/>
+          </a:xfrm>
+        </p:spPr>
         <p:txBody>
           <a:bodyPr/>
           <a:lstStyle/>
           <a:p>
-            <a:endParaRPr lang="en-US"/>
+            <a:r>
+              <a:rPr lang="en-US" sz="2600" dirty="0">
+                <a:solidFill>
+                  <a:schemeClr val="tx2"/>
+                </a:solidFill>
+                <a:latin typeface="Consolas" panose="020B0609020204030204" pitchFamily="49" charset="0"/>
+              </a:rPr>
+              <a:t>List&lt;T&gt;</a:t>
+            </a:r>
+            <a:r>
+              <a:rPr lang="en-US" dirty="0"/>
+              <a:t> is a generic type</a:t>
+            </a:r>
+          </a:p>
+          <a:p>
+            <a:pPr lvl="1"/>
+            <a:r>
+              <a:rPr lang="en-US" dirty="0">
+                <a:solidFill>
+                  <a:schemeClr val="tx2"/>
+                </a:solidFill>
+                <a:latin typeface="Consolas" panose="020B0609020204030204" pitchFamily="49" charset="0"/>
+              </a:rPr>
+              <a:t>T</a:t>
+            </a:r>
+            <a:r>
+              <a:rPr lang="en-US" dirty="0"/>
+              <a:t> is a type parameter</a:t>
+            </a:r>
+          </a:p>
+          <a:p>
+            <a:r>
+              <a:rPr lang="en-US" sz="2600" dirty="0">
+                <a:solidFill>
+                  <a:schemeClr val="tx2"/>
+                </a:solidFill>
+                <a:latin typeface="Consolas" panose="020B0609020204030204" pitchFamily="49" charset="0"/>
+              </a:rPr>
+              <a:t>List&lt;string&gt; </a:t>
+            </a:r>
+            <a:r>
+              <a:rPr lang="en-US" dirty="0"/>
+              <a:t>and </a:t>
+            </a:r>
+            <a:r>
+              <a:rPr lang="en-US" sz="2600" dirty="0">
+                <a:solidFill>
+                  <a:schemeClr val="tx2"/>
+                </a:solidFill>
+                <a:latin typeface="Consolas" panose="020B0609020204030204" pitchFamily="49" charset="0"/>
+              </a:rPr>
+              <a:t>List&lt;int&gt; </a:t>
+            </a:r>
+            <a:r>
+              <a:rPr lang="en-US" dirty="0"/>
+              <a:t>are concrete types</a:t>
+            </a:r>
+          </a:p>
+          <a:p>
+            <a:r>
+              <a:rPr lang="en-US" sz="2600" dirty="0">
+                <a:solidFill>
+                  <a:schemeClr val="tx2"/>
+                </a:solidFill>
+                <a:latin typeface="Consolas" panose="020B0609020204030204" pitchFamily="49" charset="0"/>
+              </a:rPr>
+              <a:t>List&lt;int&gt;(1, 4, 9, 16) </a:t>
+            </a:r>
+            <a:r>
+              <a:rPr lang="en-US" dirty="0"/>
+              <a:t>constructs an instance of </a:t>
+            </a:r>
+            <a:r>
+              <a:rPr lang="en-US" sz="2600" dirty="0">
+                <a:solidFill>
+                  <a:schemeClr val="tx2"/>
+                </a:solidFill>
+                <a:latin typeface="Consolas" panose="020B0609020204030204" pitchFamily="49" charset="0"/>
+              </a:rPr>
+              <a:t>List&lt;int&gt;</a:t>
+            </a:r>
+          </a:p>
+          <a:p>
+            <a:pPr lvl="1"/>
+            <a:r>
+              <a:rPr lang="en-US" dirty="0">
+                <a:solidFill>
+                  <a:schemeClr val="tx2"/>
+                </a:solidFill>
+                <a:latin typeface="Consolas" panose="020B0609020204030204" pitchFamily="49" charset="0"/>
+              </a:rPr>
+              <a:t>1</a:t>
+            </a:r>
+            <a:r>
+              <a:rPr lang="en-US" dirty="0"/>
+              <a:t>, </a:t>
+            </a:r>
+            <a:r>
+              <a:rPr lang="en-US" dirty="0">
+                <a:solidFill>
+                  <a:schemeClr val="tx2"/>
+                </a:solidFill>
+                <a:latin typeface="Consolas" panose="020B0609020204030204" pitchFamily="49" charset="0"/>
+              </a:rPr>
+              <a:t>4</a:t>
+            </a:r>
+            <a:r>
+              <a:rPr lang="en-US" dirty="0"/>
+              <a:t>, </a:t>
+            </a:r>
+            <a:r>
+              <a:rPr lang="en-US" dirty="0">
+                <a:solidFill>
+                  <a:schemeClr val="tx2"/>
+                </a:solidFill>
+                <a:latin typeface="Consolas" panose="020B0609020204030204" pitchFamily="49" charset="0"/>
+              </a:rPr>
+              <a:t>9</a:t>
+            </a:r>
+            <a:r>
+              <a:rPr lang="en-US" dirty="0"/>
+              <a:t>, and </a:t>
+            </a:r>
+            <a:r>
+              <a:rPr lang="en-US" dirty="0">
+                <a:solidFill>
+                  <a:schemeClr val="tx2"/>
+                </a:solidFill>
+                <a:latin typeface="Consolas" panose="020B0609020204030204" pitchFamily="49" charset="0"/>
+              </a:rPr>
+              <a:t>16</a:t>
+            </a:r>
+            <a:r>
+              <a:rPr lang="en-US" dirty="0"/>
+              <a:t> are </a:t>
+            </a:r>
+            <a:r>
+              <a:rPr lang="en-US" dirty="0">
+                <a:solidFill>
+                  <a:schemeClr val="tx2"/>
+                </a:solidFill>
+                <a:latin typeface="Consolas" panose="020B0609020204030204" pitchFamily="49" charset="0"/>
+              </a:rPr>
+              <a:t>int</a:t>
+            </a:r>
+            <a:r>
+              <a:rPr lang="en-US" dirty="0"/>
+              <a:t> values</a:t>
+            </a:r>
+          </a:p>
+          <a:p>
+            <a:r>
+              <a:rPr lang="en-US" dirty="0"/>
+              <a:t>Angle brackets (type parameters) vs. parentheses (</a:t>
+            </a:r>
+            <a:r>
+              <a:rPr lang="en-US"/>
+              <a:t>value parameters</a:t>
+            </a:r>
+            <a:r>
+              <a:rPr lang="en-US" dirty="0"/>
+              <a:t>)</a:t>
+            </a:r>
           </a:p>
         </p:txBody>
       </p:sp>

--- a/Curry-Howard.pptx
+++ b/Curry-Howard.pptx
@@ -5,7 +5,7 @@
     <p:sldMasterId id="2147483648" r:id="rId1"/>
   </p:sldMasterIdLst>
   <p:notesMasterIdLst>
-    <p:notesMasterId r:id="rId28"/>
+    <p:notesMasterId r:id="rId29"/>
   </p:notesMasterIdLst>
   <p:sldIdLst>
     <p:sldId id="256" r:id="rId2"/>
@@ -34,6 +34,7 @@
     <p:sldId id="282" r:id="rId25"/>
     <p:sldId id="279" r:id="rId26"/>
     <p:sldId id="278" r:id="rId27"/>
+    <p:sldId id="287" r:id="rId28"/>
   </p:sldIdLst>
   <p:sldSz cx="12192000" cy="6858000"/>
   <p:notesSz cx="6858000" cy="9144000"/>
@@ -175,6 +176,7 @@
             <p14:sldId id="282"/>
             <p14:sldId id="279"/>
             <p14:sldId id="278"/>
+            <p14:sldId id="287"/>
           </p14:sldIdLst>
         </p14:section>
       </p14:sectionLst>
@@ -1089,7 +1091,7 @@
           </a:pPr>
           <a:r>
             <a:rPr lang="en-US" dirty="0"/>
-            <a:t>Every type corresponds to a logical proposition</a:t>
+            <a:t>Every type is a logical proposition</a:t>
           </a:r>
         </a:p>
       </dgm:t>
@@ -1130,7 +1132,7 @@
           </a:pPr>
           <a:r>
             <a:rPr lang="en-US" dirty="0"/>
-            <a:t>Every value corresponds to a proof</a:t>
+            <a:t>Every value is a proof</a:t>
           </a:r>
         </a:p>
       </dgm:t>
@@ -1600,7 +1602,7 @@
           </a:pPr>
           <a:r>
             <a:rPr lang="en-US" sz="2200" kern="1200" dirty="0"/>
-            <a:t>Every type corresponds to a logical proposition</a:t>
+            <a:t>Every type is a logical proposition</a:t>
           </a:r>
         </a:p>
         <a:p>
@@ -1618,7 +1620,7 @@
           </a:pPr>
           <a:r>
             <a:rPr lang="en-US" sz="2200" kern="1200" dirty="0"/>
-            <a:t>Every value corresponds to a proof</a:t>
+            <a:t>Every value is a proof</a:t>
           </a:r>
         </a:p>
       </dsp:txBody>
@@ -9203,14 +9205,14 @@
             <p:ph idx="1"/>
             <p:extLst>
               <p:ext uri="{D42A27DB-BD31-4B8C-83A1-F6EECF244321}">
-                <p14:modId xmlns:p14="http://schemas.microsoft.com/office/powerpoint/2010/main" val="3290724242"/>
+                <p14:modId xmlns:p14="http://schemas.microsoft.com/office/powerpoint/2010/main" val="1649741114"/>
               </p:ext>
             </p:extLst>
           </p:nvPr>
         </p:nvGraphicFramePr>
         <p:xfrm>
           <a:off x="4038600" y="1445449"/>
-          <a:ext cx="7315201" cy="3967110"/>
+          <a:ext cx="7762769" cy="3967110"/>
         </p:xfrm>
         <a:graphic>
           <a:graphicData uri="http://schemas.openxmlformats.org/drawingml/2006/table">
@@ -9219,14 +9221,14 @@
                 <a:tableStyleId>{5C22544A-7EE6-4342-B048-85BDC9FD1C3A}</a:tableStyleId>
               </a:tblPr>
               <a:tblGrid>
-                <a:gridCol w="2694564">
+                <a:gridCol w="3304309">
                   <a:extLst>
                     <a:ext uri="{9D8B030D-6E8A-4147-A177-3AD203B41FA5}">
                       <a16:colId xmlns:a16="http://schemas.microsoft.com/office/drawing/2014/main" val="1480440788"/>
                     </a:ext>
                   </a:extLst>
                 </a:gridCol>
-                <a:gridCol w="4620637">
+                <a:gridCol w="4458460">
                   <a:extLst>
                     <a:ext uri="{9D8B030D-6E8A-4147-A177-3AD203B41FA5}">
                       <a16:colId xmlns:a16="http://schemas.microsoft.com/office/drawing/2014/main" val="2892606381"/>
@@ -9437,7 +9439,7 @@
                     <a:lstStyle/>
                     <a:p>
                       <a:r>
-                        <a:rPr lang="en-US" sz="2100" kern="1200">
+                        <a:rPr lang="en-US" sz="2100" kern="1200" dirty="0">
                           <a:solidFill>
                             <a:schemeClr val="dk1"/>
                           </a:solidFill>
@@ -9445,10 +9447,10 @@
                           <a:ea typeface="+mn-ea"/>
                           <a:cs typeface="+mn-cs"/>
                         </a:rPr>
-                        <a:t>Conjunction:</a:t>
+                        <a:t>Conjunction (“and”):</a:t>
                       </a:r>
                       <a:r>
-                        <a:rPr lang="en-US" sz="2100" kern="1200">
+                        <a:rPr lang="en-US" sz="2100" kern="1200" dirty="0">
                           <a:solidFill>
                             <a:schemeClr val="tx2"/>
                           </a:solidFill>
@@ -9506,7 +9508,7 @@
                     <a:lstStyle/>
                     <a:p>
                       <a:r>
-                        <a:rPr lang="en-US" sz="2100" kern="1200">
+                        <a:rPr lang="en-US" sz="2100" kern="1200" dirty="0">
                           <a:solidFill>
                             <a:schemeClr val="dk1"/>
                           </a:solidFill>
@@ -9514,10 +9516,10 @@
                           <a:ea typeface="+mn-ea"/>
                           <a:cs typeface="+mn-cs"/>
                         </a:rPr>
-                        <a:t>Disjunction:</a:t>
+                        <a:t>Disjunction (“or”):</a:t>
                       </a:r>
                       <a:r>
-                        <a:rPr lang="en-US" sz="2100" kern="1200">
+                        <a:rPr lang="en-US" sz="2100" kern="1200" dirty="0">
                           <a:solidFill>
                             <a:schemeClr val="tx2"/>
                           </a:solidFill>
@@ -9711,7 +9713,7 @@
                     <a:lstStyle/>
                     <a:p>
                       <a:r>
-                        <a:rPr lang="en-US" sz="2100" kern="1200">
+                        <a:rPr lang="en-US" sz="2100" kern="1200" dirty="0">
                           <a:solidFill>
                             <a:schemeClr val="dk1"/>
                           </a:solidFill>
@@ -15652,45 +15654,6 @@
               <a:latin typeface="+mj-lt"/>
               <a:ea typeface="+mj-ea"/>
               <a:cs typeface="+mj-cs"/>
-            </a:endParaRPr>
-          </a:p>
-        </p:txBody>
-      </p:sp>
-      <p:sp>
-        <p:nvSpPr>
-          <p:cNvPr id="5" name="Text Placeholder 4">
-            <a:extLst>
-              <a:ext uri="{FF2B5EF4-FFF2-40B4-BE49-F238E27FC236}">
-                <a16:creationId xmlns:a16="http://schemas.microsoft.com/office/drawing/2014/main" id="{D312ADD2-51AD-41D4-863E-19729B6BE06D}"/>
-              </a:ext>
-            </a:extLst>
-          </p:cNvPr>
-          <p:cNvSpPr>
-            <a:spLocks noGrp="1"/>
-          </p:cNvSpPr>
-          <p:nvPr>
-            <p:ph type="body" idx="1"/>
-          </p:nvPr>
-        </p:nvSpPr>
-        <p:spPr>
-          <a:xfrm>
-            <a:off x="6746627" y="4750893"/>
-            <a:ext cx="4645250" cy="1147863"/>
-          </a:xfrm>
-        </p:spPr>
-        <p:txBody>
-          <a:bodyPr vert="horz" lIns="91440" tIns="45720" rIns="91440" bIns="45720" rtlCol="0" anchor="t">
-            <a:normAutofit/>
-          </a:bodyPr>
-          <a:lstStyle/>
-          <a:p>
-            <a:endParaRPr lang="en-US" sz="2000" kern="1200">
-              <a:solidFill>
-                <a:schemeClr val="bg1"/>
-              </a:solidFill>
-              <a:latin typeface="+mn-lt"/>
-              <a:ea typeface="+mn-ea"/>
-              <a:cs typeface="+mn-cs"/>
             </a:endParaRPr>
           </a:p>
         </p:txBody>
@@ -17325,7 +17288,7 @@
           <a:p>
             <a:r>
               <a:rPr lang="en-US" dirty="0"/>
-              <a:t>Dependent types</a:t>
+              <a:t>Dependent types: C# 2040</a:t>
             </a:r>
           </a:p>
         </p:txBody>
@@ -17349,7 +17312,7 @@
         <p:spPr/>
         <p:txBody>
           <a:bodyPr>
-            <a:normAutofit fontScale="92500" lnSpcReduction="20000"/>
+            <a:normAutofit/>
           </a:bodyPr>
           <a:lstStyle/>
           <a:p>
@@ -17392,20 +17355,7 @@
           <a:p>
             <a:r>
               <a:rPr lang="en-US" dirty="0"/>
-              <a:t>Type checker enforces useful constraints at compile time</a:t>
-            </a:r>
-          </a:p>
-          <a:p>
-            <a:pPr lvl="1"/>
-            <a:r>
-              <a:rPr lang="en-US" dirty="0"/>
-              <a:t>E.g. Access outside of array bounds becomes a compiler error instead of a runtime error</a:t>
-            </a:r>
-          </a:p>
-          <a:p>
-            <a:r>
-              <a:rPr lang="en-US" dirty="0"/>
-              <a:t>Strict separation of &lt;types&gt; from (values) is gone</a:t>
+              <a:t>Strict separation of &lt;types&gt; from (values) is eliminated</a:t>
             </a:r>
           </a:p>
         </p:txBody>
@@ -17429,7 +17379,7 @@
         <p:spPr/>
         <p:txBody>
           <a:bodyPr>
-            <a:normAutofit fontScale="92500" lnSpcReduction="20000"/>
+            <a:normAutofit/>
           </a:bodyPr>
           <a:lstStyle/>
           <a:p>
@@ -17536,13 +17486,12 @@
             </a:r>
           </a:p>
           <a:p>
-            <a:pPr lvl="1"/>
             <a:r>
               <a:rPr lang="en-US" dirty="0"/>
               <a:t>E.g. </a:t>
             </a:r>
             <a:r>
-              <a:rPr lang="en-US" sz="2800" dirty="0">
+              <a:rPr lang="en-US" sz="3200" dirty="0">
                 <a:solidFill>
                   <a:schemeClr val="tx2"/>
                 </a:solidFill>
@@ -17553,31 +17502,6 @@
             <a:r>
               <a:rPr lang="en-US" dirty="0"/>
               <a:t> is a type</a:t>
-            </a:r>
-          </a:p>
-          <a:p>
-            <a:r>
-              <a:rPr lang="en-US" dirty="0">
-                <a:solidFill>
-                  <a:schemeClr val="tx2"/>
-                </a:solidFill>
-                <a:latin typeface="Consolas" panose="020B0609020204030204" pitchFamily="49" charset="0"/>
-              </a:rPr>
-              <a:t>Array&lt;T,(n&gt;0)&gt;.First</a:t>
-            </a:r>
-          </a:p>
-          <a:p>
-            <a:pPr lvl="1"/>
-            <a:r>
-              <a:rPr lang="en-US" dirty="0"/>
-              <a:t>Answers first element of a non-empty vector</a:t>
-            </a:r>
-          </a:p>
-          <a:p>
-            <a:pPr lvl="1"/>
-            <a:r>
-              <a:rPr lang="en-US" dirty="0"/>
-              <a:t>Prevents attempt to access an empty vector… at compile time!</a:t>
             </a:r>
           </a:p>
         </p:txBody>
@@ -17586,6 +17510,150 @@
     <p:extLst>
       <p:ext uri="{BB962C8B-B14F-4D97-AF65-F5344CB8AC3E}">
         <p14:creationId xmlns:p14="http://schemas.microsoft.com/office/powerpoint/2010/main" val="2615358034"/>
+      </p:ext>
+    </p:extLst>
+  </p:cSld>
+  <p:clrMapOvr>
+    <a:masterClrMapping/>
+  </p:clrMapOvr>
+</p:sld>
+</file>
+
+<file path=ppt/slides/slide27.xml><?xml version="1.0" encoding="utf-8"?>
+<p:sld xmlns:a="http://schemas.openxmlformats.org/drawingml/2006/main" xmlns:r="http://schemas.openxmlformats.org/officeDocument/2006/relationships" xmlns:p="http://schemas.openxmlformats.org/presentationml/2006/main">
+  <p:cSld>
+    <p:spTree>
+      <p:nvGrpSpPr>
+        <p:cNvPr id="1" name=""/>
+        <p:cNvGrpSpPr/>
+        <p:nvPr/>
+      </p:nvGrpSpPr>
+      <p:grpSpPr>
+        <a:xfrm>
+          <a:off x="0" y="0"/>
+          <a:ext cx="0" cy="0"/>
+          <a:chOff x="0" y="0"/>
+          <a:chExt cx="0" cy="0"/>
+        </a:xfrm>
+      </p:grpSpPr>
+      <p:sp>
+        <p:nvSpPr>
+          <p:cNvPr id="2" name="Title 1">
+            <a:extLst>
+              <a:ext uri="{FF2B5EF4-FFF2-40B4-BE49-F238E27FC236}">
+                <a16:creationId xmlns:a16="http://schemas.microsoft.com/office/drawing/2014/main" id="{A68A7B1D-A7DA-4D11-9CAD-EEA43F3F3013}"/>
+              </a:ext>
+            </a:extLst>
+          </p:cNvPr>
+          <p:cNvSpPr>
+            <a:spLocks noGrp="1"/>
+          </p:cNvSpPr>
+          <p:nvPr>
+            <p:ph type="title"/>
+          </p:nvPr>
+        </p:nvSpPr>
+        <p:spPr/>
+        <p:txBody>
+          <a:bodyPr/>
+          <a:lstStyle/>
+          <a:p>
+            <a:r>
+              <a:rPr lang="en-US" dirty="0"/>
+              <a:t>Dependent types: C# 2040</a:t>
+            </a:r>
+          </a:p>
+        </p:txBody>
+      </p:sp>
+      <p:sp>
+        <p:nvSpPr>
+          <p:cNvPr id="3" name="Content Placeholder 2">
+            <a:extLst>
+              <a:ext uri="{FF2B5EF4-FFF2-40B4-BE49-F238E27FC236}">
+                <a16:creationId xmlns:a16="http://schemas.microsoft.com/office/drawing/2014/main" id="{9AE71404-D95D-499F-A083-6241B272AFAF}"/>
+              </a:ext>
+            </a:extLst>
+          </p:cNvPr>
+          <p:cNvSpPr>
+            <a:spLocks noGrp="1"/>
+          </p:cNvSpPr>
+          <p:nvPr>
+            <p:ph sz="half" idx="1"/>
+          </p:nvPr>
+        </p:nvSpPr>
+        <p:spPr/>
+        <p:txBody>
+          <a:bodyPr>
+            <a:normAutofit/>
+          </a:bodyPr>
+          <a:lstStyle/>
+          <a:p>
+            <a:r>
+              <a:rPr lang="en-US" dirty="0"/>
+              <a:t>Type checker enforces useful constraints at compile time</a:t>
+            </a:r>
+          </a:p>
+          <a:p>
+            <a:pPr lvl="1"/>
+            <a:r>
+              <a:rPr lang="en-US" dirty="0"/>
+              <a:t>E.g. Access outside of array bounds becomes a compiler error instead of a runtime error</a:t>
+            </a:r>
+          </a:p>
+        </p:txBody>
+      </p:sp>
+      <p:sp>
+        <p:nvSpPr>
+          <p:cNvPr id="4" name="Content Placeholder 3">
+            <a:extLst>
+              <a:ext uri="{FF2B5EF4-FFF2-40B4-BE49-F238E27FC236}">
+                <a16:creationId xmlns:a16="http://schemas.microsoft.com/office/drawing/2014/main" id="{BA469B2B-7FF9-427A-8538-2D3BB6E40491}"/>
+              </a:ext>
+            </a:extLst>
+          </p:cNvPr>
+          <p:cNvSpPr>
+            <a:spLocks noGrp="1"/>
+          </p:cNvSpPr>
+          <p:nvPr>
+            <p:ph sz="half" idx="2"/>
+          </p:nvPr>
+        </p:nvSpPr>
+        <p:spPr/>
+        <p:txBody>
+          <a:bodyPr>
+            <a:normAutofit/>
+          </a:bodyPr>
+          <a:lstStyle/>
+          <a:p>
+            <a:r>
+              <a:rPr lang="en-US" dirty="0">
+                <a:solidFill>
+                  <a:schemeClr val="tx2"/>
+                </a:solidFill>
+                <a:latin typeface="Consolas" panose="020B0609020204030204" pitchFamily="49" charset="0"/>
+              </a:rPr>
+              <a:t>Array&lt;T,(n&gt;0)&gt;.First</a:t>
+            </a:r>
+          </a:p>
+          <a:p>
+            <a:pPr lvl="1"/>
+            <a:r>
+              <a:rPr lang="en-US" dirty="0"/>
+              <a:t>Answers first element of a non-empty vector</a:t>
+            </a:r>
+          </a:p>
+          <a:p>
+            <a:pPr lvl="1"/>
+            <a:r>
+              <a:rPr lang="en-US" dirty="0"/>
+              <a:t>Prevents attempt to access an empty vector… at compile time!</a:t>
+            </a:r>
+          </a:p>
+        </p:txBody>
+      </p:sp>
+    </p:spTree>
+    <p:extLst>
+      <p:ext uri="{BB962C8B-B14F-4D97-AF65-F5344CB8AC3E}">
+        <p14:creationId xmlns:p14="http://schemas.microsoft.com/office/powerpoint/2010/main" val="1565422905"/>
       </p:ext>
     </p:extLst>
   </p:cSld>
@@ -17635,7 +17703,7 @@
           <a:p>
             <a:r>
               <a:rPr lang="en-US" dirty="0"/>
-              <a:t>C# generic type refresher</a:t>
+              <a:t>Refresher: C# generic types</a:t>
             </a:r>
           </a:p>
         </p:txBody>
@@ -17704,11 +17772,11 @@
                 </a:solidFill>
                 <a:latin typeface="Consolas" panose="020B0609020204030204" pitchFamily="49" charset="0"/>
               </a:rPr>
-              <a:t>List&lt;string&gt; </a:t>
+              <a:t>List&lt;string&gt;</a:t>
             </a:r>
             <a:r>
               <a:rPr lang="en-US" dirty="0"/>
-              <a:t>and </a:t>
+              <a:t> and </a:t>
             </a:r>
             <a:r>
               <a:rPr lang="en-US" sz="2600" dirty="0">
@@ -17717,11 +17785,11 @@
                 </a:solidFill>
                 <a:latin typeface="Consolas" panose="020B0609020204030204" pitchFamily="49" charset="0"/>
               </a:rPr>
-              <a:t>List&lt;int&gt; </a:t>
+              <a:t>List&lt;int&gt;</a:t>
             </a:r>
             <a:r>
               <a:rPr lang="en-US" dirty="0"/>
-              <a:t>are concrete types</a:t>
+              <a:t> are concrete types</a:t>
             </a:r>
           </a:p>
           <a:p>
@@ -17819,15 +17887,7 @@
           <a:p>
             <a:r>
               <a:rPr lang="en-US" dirty="0"/>
-              <a:t>Angle brackets (type parameters) vs. parentheses (</a:t>
-            </a:r>
-            <a:r>
-              <a:rPr lang="en-US"/>
-              <a:t>value parameters</a:t>
-            </a:r>
-            <a:r>
-              <a:rPr lang="en-US" dirty="0"/>
-              <a:t>)</a:t>
+              <a:t>Angle brackets (type parameters) vs. parentheses (value parameters)</a:t>
             </a:r>
           </a:p>
         </p:txBody>
@@ -19031,7 +19091,7 @@
                 </a:solidFill>
                 <a:latin typeface="Consolas" panose="020B0609020204030204" pitchFamily="49" charset="0"/>
               </a:rPr>
-              <a:t> Implicit from a "left" value.</a:t>
+              <a:t> Implicit conversion from a "left" value.</a:t>
             </a:r>
           </a:p>
           <a:p>
@@ -19382,7 +19442,7 @@
                 </a:solidFill>
                 <a:latin typeface="Consolas" panose="020B0609020204030204" pitchFamily="49" charset="0"/>
               </a:rPr>
-              <a:t> Implicit from a "right" value.</a:t>
+              <a:t> Implicit conversion from a "right" value.</a:t>
             </a:r>
           </a:p>
           <a:p>
@@ -22482,7 +22542,7 @@
             <p:ph idx="1"/>
             <p:extLst>
               <p:ext uri="{D42A27DB-BD31-4B8C-83A1-F6EECF244321}">
-                <p14:modId xmlns:p14="http://schemas.microsoft.com/office/powerpoint/2010/main" val="490847743"/>
+                <p14:modId xmlns:p14="http://schemas.microsoft.com/office/powerpoint/2010/main" val="3395636718"/>
               </p:ext>
             </p:extLst>
           </p:nvPr>

--- a/Curry-Howard.pptx
+++ b/Curry-Howard.pptx
@@ -1050,7 +1050,7 @@
           </a:pPr>
           <a:r>
             <a:rPr lang="en-US" dirty="0"/>
-            <a:t>Computer programs are analogous to mathematical proofs</a:t>
+            <a:t>Analogy between computer programs and mathematical proofs</a:t>
           </a:r>
         </a:p>
       </dgm:t>
@@ -1213,7 +1213,7 @@
             </a:lnSpc>
           </a:pPr>
           <a:r>
-            <a:rPr lang="en-US"/>
+            <a:rPr lang="en-US" dirty="0"/>
             <a:t>No need to run code. If it compiles, it’s a proof!</a:t>
           </a:r>
         </a:p>
@@ -1295,7 +1295,7 @@
             </a:lnSpc>
           </a:pPr>
           <a:r>
-            <a:rPr lang="en-US"/>
+            <a:rPr lang="en-US" dirty="0"/>
             <a:t>E.g. 42 is proof that an integer exists:</a:t>
           </a:r>
         </a:p>
@@ -1446,7 +1446,7 @@
     <dgm:cxn modelId="{4A01AD90-1AB3-402B-90DC-AD5F47C45D53}" type="presOf" srcId="{32CEB723-3464-47D9-9F11-F4F76A2C10DB}" destId="{884EFE51-9381-4A3F-8326-DB30EE2F4C82}" srcOrd="0" destOrd="0" presId="urn:microsoft.com/office/officeart/2005/8/layout/vList2"/>
     <dgm:cxn modelId="{073BC295-0AD8-4F84-9873-0514E0453660}" srcId="{32CEB723-3464-47D9-9F11-F4F76A2C10DB}" destId="{4DC91579-E0D2-4E2A-8134-E65273E3BA63}" srcOrd="2" destOrd="0" parTransId="{910F98BE-0333-48A9-8DF5-2AD522B18E26}" sibTransId="{C1451C49-4CC0-42B9-B49F-FB8DAF30E0A3}"/>
     <dgm:cxn modelId="{EAD3D196-4C66-47ED-A794-2EFA0F47C42F}" srcId="{98A05CFB-9D2B-4D94-A3C6-A00B8B3EED0F}" destId="{426A82E0-9566-44AA-8CE9-48FD2F1CB40A}" srcOrd="1" destOrd="0" parTransId="{555431C4-57BF-41C4-A206-D425CF6DFCB2}" sibTransId="{71DCF380-0E99-4D0A-B286-DEF002BA049D}"/>
-    <dgm:cxn modelId="{82B1F6C0-818D-413F-A506-0A06CE48E017}" srcId="{E86B4DF0-EB47-4703-964E-0319F0BC1B50}" destId="{9BF1A7BC-9DEC-4F78-AA00-C2237137E145}" srcOrd="2" destOrd="0" parTransId="{A186077F-B773-452F-8670-A83ACB809E4E}" sibTransId="{5DCA9B30-1491-49D2-8B82-34942B280C88}"/>
+    <dgm:cxn modelId="{82B1F6C0-818D-413F-A506-0A06CE48E017}" srcId="{0F1E37FA-3F37-4FAB-A9DF-CAB503C4F02B}" destId="{9BF1A7BC-9DEC-4F78-AA00-C2237137E145}" srcOrd="0" destOrd="0" parTransId="{A186077F-B773-452F-8670-A83ACB809E4E}" sibTransId="{5DCA9B30-1491-49D2-8B82-34942B280C88}"/>
     <dgm:cxn modelId="{65FEDBD7-A049-4D1A-A0A8-9F5B3D06A04C}" srcId="{E86B4DF0-EB47-4703-964E-0319F0BC1B50}" destId="{33088F71-7571-4716-B9BB-77475CCB403D}" srcOrd="0" destOrd="0" parTransId="{EF11BF28-8C67-48AA-AC6C-46979D7E7010}" sibTransId="{723B8C15-5556-4CB6-A910-14FA50BECEF6}"/>
     <dgm:cxn modelId="{9B0018F1-25EC-4F82-89E9-0F932FE854B8}" srcId="{32CEB723-3464-47D9-9F11-F4F76A2C10DB}" destId="{E86B4DF0-EB47-4703-964E-0319F0BC1B50}" srcOrd="1" destOrd="0" parTransId="{61E03252-4A0E-4A63-B728-E0FD8E35FEBD}" sibTransId="{11C5A2A1-9533-4B1D-940A-0B410F0C73C4}"/>
     <dgm:cxn modelId="{5C5DE837-973C-4880-B6CF-CC64AEE9A61B}" type="presParOf" srcId="{884EFE51-9381-4A3F-8326-DB30EE2F4C82}" destId="{4BCEE012-EF6D-4A65-9B50-57F10A7E8C4D}" srcOrd="0" destOrd="0" presId="urn:microsoft.com/office/officeart/2005/8/layout/vList2"/>
@@ -1542,7 +1542,7 @@
           </a:pPr>
           <a:r>
             <a:rPr lang="en-US" sz="2800" kern="1200" dirty="0"/>
-            <a:t>Computer programs are analogous to mathematical proofs</a:t>
+            <a:t>Analogy between computer programs and mathematical proofs</a:t>
           </a:r>
         </a:p>
       </dsp:txBody>
@@ -1757,7 +1757,7 @@
             <a:buChar char="•"/>
           </a:pPr>
           <a:r>
-            <a:rPr lang="en-US" sz="2200" kern="1200"/>
+            <a:rPr lang="en-US" sz="2200" kern="1200" dirty="0"/>
             <a:t>No need to run code. If it compiles, it’s a proof!</a:t>
           </a:r>
         </a:p>
@@ -1780,7 +1780,7 @@
           </a:r>
         </a:p>
         <a:p>
-          <a:pPr marL="228600" lvl="1" indent="-228600" algn="l" defTabSz="977900">
+          <a:pPr marL="457200" lvl="2" indent="-228600" algn="l" defTabSz="977900">
             <a:lnSpc>
               <a:spcPct val="100000"/>
             </a:lnSpc>
@@ -1793,7 +1793,7 @@
             <a:buChar char="•"/>
           </a:pPr>
           <a:r>
-            <a:rPr lang="en-US" sz="2200" kern="1200"/>
+            <a:rPr lang="en-US" sz="2200" kern="1200" dirty="0"/>
             <a:t>E.g. 42 is proof that an integer exists:</a:t>
           </a:r>
         </a:p>
@@ -3182,7 +3182,7 @@
           <a:p>
             <a:fld id="{0E7BB2EC-0376-448F-A558-51F23EBFB53F}" type="datetimeFigureOut">
               <a:rPr lang="en-US" smtClean="0"/>
-              <a:t>4/22/2019</a:t>
+              <a:t>4/25/2019</a:t>
             </a:fld>
             <a:endParaRPr lang="en-US"/>
           </a:p>
@@ -4232,7 +4232,7 @@
           <a:p>
             <a:fld id="{BB229EF1-1275-47B5-8B7F-1280F025E8D3}" type="datetimeFigureOut">
               <a:rPr lang="en-US" smtClean="0"/>
-              <a:t>4/22/2019</a:t>
+              <a:t>4/25/2019</a:t>
             </a:fld>
             <a:endParaRPr lang="en-US"/>
           </a:p>
@@ -4430,7 +4430,7 @@
           <a:p>
             <a:fld id="{BB229EF1-1275-47B5-8B7F-1280F025E8D3}" type="datetimeFigureOut">
               <a:rPr lang="en-US" smtClean="0"/>
-              <a:t>4/22/2019</a:t>
+              <a:t>4/25/2019</a:t>
             </a:fld>
             <a:endParaRPr lang="en-US"/>
           </a:p>
@@ -4638,7 +4638,7 @@
           <a:p>
             <a:fld id="{BB229EF1-1275-47B5-8B7F-1280F025E8D3}" type="datetimeFigureOut">
               <a:rPr lang="en-US" smtClean="0"/>
-              <a:t>4/22/2019</a:t>
+              <a:t>4/25/2019</a:t>
             </a:fld>
             <a:endParaRPr lang="en-US"/>
           </a:p>
@@ -4836,7 +4836,7 @@
           <a:p>
             <a:fld id="{BB229EF1-1275-47B5-8B7F-1280F025E8D3}" type="datetimeFigureOut">
               <a:rPr lang="en-US" smtClean="0"/>
-              <a:t>4/22/2019</a:t>
+              <a:t>4/25/2019</a:t>
             </a:fld>
             <a:endParaRPr lang="en-US"/>
           </a:p>
@@ -5111,7 +5111,7 @@
           <a:p>
             <a:fld id="{BB229EF1-1275-47B5-8B7F-1280F025E8D3}" type="datetimeFigureOut">
               <a:rPr lang="en-US" smtClean="0"/>
-              <a:t>4/22/2019</a:t>
+              <a:t>4/25/2019</a:t>
             </a:fld>
             <a:endParaRPr lang="en-US"/>
           </a:p>
@@ -5376,7 +5376,7 @@
           <a:p>
             <a:fld id="{BB229EF1-1275-47B5-8B7F-1280F025E8D3}" type="datetimeFigureOut">
               <a:rPr lang="en-US" smtClean="0"/>
-              <a:t>4/22/2019</a:t>
+              <a:t>4/25/2019</a:t>
             </a:fld>
             <a:endParaRPr lang="en-US"/>
           </a:p>
@@ -5788,7 +5788,7 @@
           <a:p>
             <a:fld id="{BB229EF1-1275-47B5-8B7F-1280F025E8D3}" type="datetimeFigureOut">
               <a:rPr lang="en-US" smtClean="0"/>
-              <a:t>4/22/2019</a:t>
+              <a:t>4/25/2019</a:t>
             </a:fld>
             <a:endParaRPr lang="en-US"/>
           </a:p>
@@ -5929,7 +5929,7 @@
           <a:p>
             <a:fld id="{BB229EF1-1275-47B5-8B7F-1280F025E8D3}" type="datetimeFigureOut">
               <a:rPr lang="en-US" smtClean="0"/>
-              <a:t>4/22/2019</a:t>
+              <a:t>4/25/2019</a:t>
             </a:fld>
             <a:endParaRPr lang="en-US"/>
           </a:p>
@@ -6042,7 +6042,7 @@
           <a:p>
             <a:fld id="{BB229EF1-1275-47B5-8B7F-1280F025E8D3}" type="datetimeFigureOut">
               <a:rPr lang="en-US" smtClean="0"/>
-              <a:t>4/22/2019</a:t>
+              <a:t>4/25/2019</a:t>
             </a:fld>
             <a:endParaRPr lang="en-US"/>
           </a:p>
@@ -6353,7 +6353,7 @@
           <a:p>
             <a:fld id="{BB229EF1-1275-47B5-8B7F-1280F025E8D3}" type="datetimeFigureOut">
               <a:rPr lang="en-US" smtClean="0"/>
-              <a:t>4/22/2019</a:t>
+              <a:t>4/25/2019</a:t>
             </a:fld>
             <a:endParaRPr lang="en-US"/>
           </a:p>
@@ -6641,7 +6641,7 @@
           <a:p>
             <a:fld id="{BB229EF1-1275-47B5-8B7F-1280F025E8D3}" type="datetimeFigureOut">
               <a:rPr lang="en-US" smtClean="0"/>
-              <a:t>4/22/2019</a:t>
+              <a:t>4/25/2019</a:t>
             </a:fld>
             <a:endParaRPr lang="en-US"/>
           </a:p>
@@ -6882,7 +6882,7 @@
           <a:p>
             <a:fld id="{BB229EF1-1275-47B5-8B7F-1280F025E8D3}" type="datetimeFigureOut">
               <a:rPr lang="en-US" smtClean="0"/>
-              <a:t>4/22/2019</a:t>
+              <a:t>4/25/2019</a:t>
             </a:fld>
             <a:endParaRPr lang="en-US"/>
           </a:p>
@@ -8089,12 +8089,6 @@
           </a:bodyPr>
           <a:lstStyle/>
           <a:p>
-            <a:r>
-              <a:rPr lang="en-US" dirty="0"/>
-              <a:t>If we know that A implies B, and we know A is true, then we know that B is true:</a:t>
-            </a:r>
-          </a:p>
-          <a:p>
             <a:pPr marL="0" indent="0" algn="ctr">
               <a:buNone/>
             </a:pPr>
@@ -8107,6 +8101,12 @@
                 <a:cs typeface="Consolas" panose="020B0609020204030204" pitchFamily="49" charset="0"/>
               </a:rPr>
               <a:t>((A → B) ∧ A) → B</a:t>
+            </a:r>
+          </a:p>
+          <a:p>
+            <a:r>
+              <a:rPr lang="en-US" dirty="0"/>
+              <a:t>If we know that A implies B, and we know A is true, then we know that B is true</a:t>
             </a:r>
           </a:p>
           <a:p>
@@ -8603,12 +8603,6 @@
           </a:bodyPr>
           <a:lstStyle/>
           <a:p>
-            <a:r>
-              <a:rPr lang="en-US" dirty="0"/>
-              <a:t>If we know that A implies B, and we know A is true, then we know that B is true:</a:t>
-            </a:r>
-          </a:p>
-          <a:p>
             <a:pPr marL="0" indent="0" algn="ctr">
               <a:buNone/>
             </a:pPr>
@@ -8621,6 +8615,12 @@
                 <a:cs typeface="Consolas" panose="020B0609020204030204" pitchFamily="49" charset="0"/>
               </a:rPr>
               <a:t>((A → B) ∧ A) → B</a:t>
+            </a:r>
+          </a:p>
+          <a:p>
+            <a:r>
+              <a:rPr lang="en-US" dirty="0"/>
+              <a:t>If we know that A implies B, and we know A is true, then we know that B is true</a:t>
             </a:r>
           </a:p>
           <a:p>
@@ -11091,27 +11091,30 @@
         <p:spPr/>
         <p:txBody>
           <a:bodyPr>
-            <a:normAutofit lnSpcReduction="10000"/>
+            <a:normAutofit fontScale="92500" lnSpcReduction="20000"/>
           </a:bodyPr>
           <a:lstStyle/>
           <a:p>
             <a:r>
+              <a:rPr lang="en-US" dirty="0">
+                <a:solidFill>
+                  <a:schemeClr val="tx2"/>
+                </a:solidFill>
+                <a:latin typeface="Consolas" panose="020B0609020204030204" pitchFamily="49" charset="0"/>
+                <a:cs typeface="Consolas" panose="020B0609020204030204" pitchFamily="49" charset="0"/>
+              </a:rPr>
+              <a:t>⊥</a:t>
+            </a:r>
+            <a:r>
               <a:rPr lang="en-US" dirty="0"/>
-              <a:t>A type that can’t be instantiated represents a false proposition</a:t>
+              <a:t>: “Absurd” (aka “bottom”)</a:t>
             </a:r>
           </a:p>
           <a:p>
             <a:pPr lvl="1"/>
             <a:r>
               <a:rPr lang="en-US" dirty="0"/>
-              <a:t>⊥: The “bottom” type</a:t>
-            </a:r>
-          </a:p>
-          <a:p>
-            <a:pPr lvl="1"/>
-            <a:r>
-              <a:rPr lang="en-US" dirty="0"/>
-              <a:t>Aka “Absurd”, “Falsity”, etc.</a:t>
+              <a:t>Symbol for a false proposition</a:t>
             </a:r>
           </a:p>
           <a:p>
@@ -11146,6 +11149,19 @@
             <a:r>
               <a:rPr lang="en-US" dirty="0"/>
               <a:t>This is proof that A is false</a:t>
+            </a:r>
+          </a:p>
+          <a:p>
+            <a:r>
+              <a:rPr lang="en-US" dirty="0"/>
+              <a:t>C-H correspondence:</a:t>
+            </a:r>
+          </a:p>
+          <a:p>
+            <a:pPr lvl="1"/>
+            <a:r>
+              <a:rPr lang="en-US" dirty="0"/>
+              <a:t>A type that can’t be instantiated represents a false proposition</a:t>
             </a:r>
           </a:p>
         </p:txBody>
@@ -22542,7 +22558,7 @@
             <p:ph idx="1"/>
             <p:extLst>
               <p:ext uri="{D42A27DB-BD31-4B8C-83A1-F6EECF244321}">
-                <p14:modId xmlns:p14="http://schemas.microsoft.com/office/powerpoint/2010/main" val="3395636718"/>
+                <p14:modId xmlns:p14="http://schemas.microsoft.com/office/powerpoint/2010/main" val="1074488536"/>
               </p:ext>
             </p:extLst>
           </p:nvPr>
